--- a/Attention-is-all-you-need/QKV.pptx
+++ b/Attention-is-all-you-need/QKV.pptx
@@ -6,11 +6,13 @@
   </p:sldMasterIdLst>
   <p:sldIdLst>
     <p:sldId id="317" r:id="rId2"/>
-    <p:sldId id="323" r:id="rId3"/>
-    <p:sldId id="325" r:id="rId4"/>
-    <p:sldId id="319" r:id="rId5"/>
-    <p:sldId id="320" r:id="rId6"/>
-    <p:sldId id="324" r:id="rId7"/>
+    <p:sldId id="326" r:id="rId3"/>
+    <p:sldId id="327" r:id="rId4"/>
+    <p:sldId id="323" r:id="rId5"/>
+    <p:sldId id="325" r:id="rId6"/>
+    <p:sldId id="319" r:id="rId7"/>
+    <p:sldId id="320" r:id="rId8"/>
+    <p:sldId id="324" r:id="rId9"/>
   </p:sldIdLst>
   <p:sldSz cx="23760113" cy="14400213"/>
   <p:notesSz cx="6858000" cy="9144000"/>
@@ -3210,6 +3212,1742 @@
           </a:p>
         </p:txBody>
       </p:sp>
+      <p:sp>
+        <p:nvSpPr>
+          <p:cNvPr id="100" name="綵帶 (向上) 99"/>
+          <p:cNvSpPr/>
+          <p:nvPr/>
+        </p:nvSpPr>
+        <p:spPr>
+          <a:xfrm>
+            <a:off x="6445379" y="4567732"/>
+            <a:ext cx="1538200" cy="487680"/>
+          </a:xfrm>
+          <a:prstGeom prst="ribbon2">
+            <a:avLst>
+              <a:gd name="adj1" fmla="val 21355"/>
+              <a:gd name="adj2" fmla="val 72451"/>
+            </a:avLst>
+          </a:prstGeom>
+          <a:solidFill>
+            <a:srgbClr val="191919"/>
+          </a:solidFill>
+          <a:ln w="19050">
+            <a:solidFill>
+              <a:srgbClr val="FF0066"/>
+            </a:solidFill>
+          </a:ln>
+        </p:spPr>
+        <p:style>
+          <a:lnRef idx="2">
+            <a:schemeClr val="accent1">
+              <a:shade val="50000"/>
+            </a:schemeClr>
+          </a:lnRef>
+          <a:fillRef idx="1">
+            <a:schemeClr val="accent1"/>
+          </a:fillRef>
+          <a:effectRef idx="0">
+            <a:schemeClr val="accent1"/>
+          </a:effectRef>
+          <a:fontRef idx="minor">
+            <a:schemeClr val="lt1"/>
+          </a:fontRef>
+        </p:style>
+        <p:txBody>
+          <a:bodyPr rtlCol="0" anchor="ctr"/>
+          <a:lstStyle/>
+          <a:p>
+            <a:pPr algn="ctr"/>
+            <a:r>
+              <a:rPr lang="en-US" altLang="zh-TW" sz="1600" baseline="-25000" dirty="0" smtClean="0">
+                <a:latin typeface="SauceCodePro Nerd Font" panose="020B0509030403020204" pitchFamily="49" charset="0"/>
+                <a:ea typeface="SauceCodePro Nerd Font" panose="020B0509030403020204" pitchFamily="49" charset="0"/>
+              </a:rPr>
+              <a:t>1</a:t>
+            </a:r>
+            <a:r>
+              <a:rPr lang="en-US" altLang="zh-TW" sz="1600" dirty="0" smtClean="0">
+                <a:latin typeface="SauceCodePro Nerd Font" panose="020B0509030403020204" pitchFamily="49" charset="0"/>
+                <a:ea typeface="SauceCodePro Nerd Font" panose="020B0509030403020204" pitchFamily="49" charset="0"/>
+              </a:rPr>
+              <a:t>Q</a:t>
+            </a:r>
+            <a:r>
+              <a:rPr lang="en-US" altLang="zh-TW" sz="1600" baseline="-25000" dirty="0" smtClean="0">
+                <a:latin typeface="SauceCodePro Nerd Font" panose="020B0509030403020204" pitchFamily="49" charset="0"/>
+                <a:ea typeface="SauceCodePro Nerd Font" panose="020B0509030403020204" pitchFamily="49" charset="0"/>
+              </a:rPr>
+              <a:t>input</a:t>
+            </a:r>
+            <a:endParaRPr lang="zh-TW" altLang="en-US" sz="1600" baseline="-25000" dirty="0">
+              <a:latin typeface="SauceCodePro Nerd Font" panose="020B0509030403020204" pitchFamily="49" charset="0"/>
+            </a:endParaRPr>
+          </a:p>
+        </p:txBody>
+      </p:sp>
+      <p:sp>
+        <p:nvSpPr>
+          <p:cNvPr id="102" name="綵帶 (向上) 101"/>
+          <p:cNvSpPr/>
+          <p:nvPr/>
+        </p:nvSpPr>
+        <p:spPr>
+          <a:xfrm>
+            <a:off x="6380750" y="5945707"/>
+            <a:ext cx="1538200" cy="487680"/>
+          </a:xfrm>
+          <a:prstGeom prst="ribbon2">
+            <a:avLst>
+              <a:gd name="adj1" fmla="val 21355"/>
+              <a:gd name="adj2" fmla="val 72451"/>
+            </a:avLst>
+          </a:prstGeom>
+          <a:solidFill>
+            <a:srgbClr val="191919"/>
+          </a:solidFill>
+          <a:ln w="19050">
+            <a:solidFill>
+              <a:srgbClr val="FF0066"/>
+            </a:solidFill>
+          </a:ln>
+        </p:spPr>
+        <p:style>
+          <a:lnRef idx="2">
+            <a:schemeClr val="accent1">
+              <a:shade val="50000"/>
+            </a:schemeClr>
+          </a:lnRef>
+          <a:fillRef idx="1">
+            <a:schemeClr val="accent1"/>
+          </a:fillRef>
+          <a:effectRef idx="0">
+            <a:schemeClr val="accent1"/>
+          </a:effectRef>
+          <a:fontRef idx="minor">
+            <a:schemeClr val="lt1"/>
+          </a:fontRef>
+        </p:style>
+        <p:txBody>
+          <a:bodyPr rtlCol="0" anchor="ctr"/>
+          <a:lstStyle/>
+          <a:p>
+            <a:pPr algn="ctr"/>
+            <a:r>
+              <a:rPr lang="en-US" altLang="zh-TW" sz="1600" baseline="-25000" dirty="0" smtClean="0">
+                <a:latin typeface="SauceCodePro Nerd Font" panose="020B0509030403020204" pitchFamily="49" charset="0"/>
+                <a:ea typeface="SauceCodePro Nerd Font" panose="020B0509030403020204" pitchFamily="49" charset="0"/>
+              </a:rPr>
+              <a:t>2</a:t>
+            </a:r>
+            <a:r>
+              <a:rPr lang="en-US" altLang="zh-TW" sz="1600" dirty="0" smtClean="0">
+                <a:latin typeface="SauceCodePro Nerd Font" panose="020B0509030403020204" pitchFamily="49" charset="0"/>
+                <a:ea typeface="SauceCodePro Nerd Font" panose="020B0509030403020204" pitchFamily="49" charset="0"/>
+              </a:rPr>
+              <a:t>Q</a:t>
+            </a:r>
+            <a:r>
+              <a:rPr lang="en-US" altLang="zh-TW" sz="1600" baseline="-25000" dirty="0" smtClean="0">
+                <a:latin typeface="SauceCodePro Nerd Font" panose="020B0509030403020204" pitchFamily="49" charset="0"/>
+                <a:ea typeface="SauceCodePro Nerd Font" panose="020B0509030403020204" pitchFamily="49" charset="0"/>
+              </a:rPr>
+              <a:t>input</a:t>
+            </a:r>
+            <a:endParaRPr lang="zh-TW" altLang="en-US" sz="1600" baseline="-25000" dirty="0">
+              <a:latin typeface="SauceCodePro Nerd Font" panose="020B0509030403020204" pitchFamily="49" charset="0"/>
+            </a:endParaRPr>
+          </a:p>
+        </p:txBody>
+      </p:sp>
+      <p:sp>
+        <p:nvSpPr>
+          <p:cNvPr id="103" name="綵帶 (向上) 102"/>
+          <p:cNvSpPr/>
+          <p:nvPr/>
+        </p:nvSpPr>
+        <p:spPr>
+          <a:xfrm>
+            <a:off x="7918950" y="5335255"/>
+            <a:ext cx="1538200" cy="487680"/>
+          </a:xfrm>
+          <a:prstGeom prst="ribbon2">
+            <a:avLst>
+              <a:gd name="adj1" fmla="val 21355"/>
+              <a:gd name="adj2" fmla="val 72451"/>
+            </a:avLst>
+          </a:prstGeom>
+          <a:solidFill>
+            <a:srgbClr val="191919"/>
+          </a:solidFill>
+          <a:ln w="19050">
+            <a:solidFill>
+              <a:srgbClr val="FF0066"/>
+            </a:solidFill>
+          </a:ln>
+        </p:spPr>
+        <p:style>
+          <a:lnRef idx="2">
+            <a:schemeClr val="accent1">
+              <a:shade val="50000"/>
+            </a:schemeClr>
+          </a:lnRef>
+          <a:fillRef idx="1">
+            <a:schemeClr val="accent1"/>
+          </a:fillRef>
+          <a:effectRef idx="0">
+            <a:schemeClr val="accent1"/>
+          </a:effectRef>
+          <a:fontRef idx="minor">
+            <a:schemeClr val="lt1"/>
+          </a:fontRef>
+        </p:style>
+        <p:txBody>
+          <a:bodyPr rtlCol="0" anchor="ctr"/>
+          <a:lstStyle/>
+          <a:p>
+            <a:pPr algn="ctr"/>
+            <a:r>
+              <a:rPr lang="en-US" altLang="zh-TW" sz="1600" baseline="-25000" dirty="0" smtClean="0">
+                <a:latin typeface="SauceCodePro Nerd Font" panose="020B0509030403020204" pitchFamily="49" charset="0"/>
+                <a:ea typeface="SauceCodePro Nerd Font" panose="020B0509030403020204" pitchFamily="49" charset="0"/>
+              </a:rPr>
+              <a:t>0</a:t>
+            </a:r>
+            <a:r>
+              <a:rPr lang="en-US" altLang="zh-TW" sz="1600" dirty="0" smtClean="0">
+                <a:latin typeface="SauceCodePro Nerd Font" panose="020B0509030403020204" pitchFamily="49" charset="0"/>
+                <a:ea typeface="SauceCodePro Nerd Font" panose="020B0509030403020204" pitchFamily="49" charset="0"/>
+              </a:rPr>
+              <a:t>Q</a:t>
+            </a:r>
+            <a:r>
+              <a:rPr lang="en-US" altLang="zh-TW" sz="1600" baseline="-25000" dirty="0" smtClean="0">
+                <a:latin typeface="SauceCodePro Nerd Font" panose="020B0509030403020204" pitchFamily="49" charset="0"/>
+                <a:ea typeface="SauceCodePro Nerd Font" panose="020B0509030403020204" pitchFamily="49" charset="0"/>
+              </a:rPr>
+              <a:t>input</a:t>
+            </a:r>
+            <a:endParaRPr lang="zh-TW" altLang="en-US" sz="1600" baseline="-25000" dirty="0">
+              <a:latin typeface="SauceCodePro Nerd Font" panose="020B0509030403020204" pitchFamily="49" charset="0"/>
+            </a:endParaRPr>
+          </a:p>
+        </p:txBody>
+      </p:sp>
+      <p:sp>
+        <p:nvSpPr>
+          <p:cNvPr id="109" name="書卷 (垂直) 108"/>
+          <p:cNvSpPr/>
+          <p:nvPr/>
+        </p:nvSpPr>
+        <p:spPr>
+          <a:xfrm>
+            <a:off x="12679911" y="4000198"/>
+            <a:ext cx="1255061" cy="632772"/>
+          </a:xfrm>
+          <a:prstGeom prst="verticalScroll">
+            <a:avLst>
+              <a:gd name="adj" fmla="val 17317"/>
+            </a:avLst>
+          </a:prstGeom>
+          <a:solidFill>
+            <a:srgbClr val="191919"/>
+          </a:solidFill>
+          <a:ln w="19050">
+            <a:solidFill>
+              <a:srgbClr val="92D050"/>
+            </a:solidFill>
+          </a:ln>
+        </p:spPr>
+        <p:style>
+          <a:lnRef idx="2">
+            <a:schemeClr val="accent1">
+              <a:shade val="50000"/>
+            </a:schemeClr>
+          </a:lnRef>
+          <a:fillRef idx="1">
+            <a:schemeClr val="accent1"/>
+          </a:fillRef>
+          <a:effectRef idx="0">
+            <a:schemeClr val="accent1"/>
+          </a:effectRef>
+          <a:fontRef idx="minor">
+            <a:schemeClr val="lt1"/>
+          </a:fontRef>
+        </p:style>
+        <p:txBody>
+          <a:bodyPr rtlCol="0" anchor="ctr"/>
+          <a:lstStyle/>
+          <a:p>
+            <a:pPr algn="ctr"/>
+            <a:r>
+              <a:rPr lang="en-US" altLang="zh-TW" sz="1600" baseline="-25000" dirty="0" smtClean="0">
+                <a:latin typeface="SauceCodePro Nerd Font" panose="020B0509030403020204" pitchFamily="49" charset="0"/>
+                <a:ea typeface="SauceCodePro Nerd Font" panose="020B0509030403020204" pitchFamily="49" charset="0"/>
+              </a:rPr>
+              <a:t>0</a:t>
+            </a:r>
+            <a:r>
+              <a:rPr lang="en-US" altLang="zh-TW" sz="1600" dirty="0" smtClean="0">
+                <a:latin typeface="SauceCodePro Nerd Font" panose="020B0509030403020204" pitchFamily="49" charset="0"/>
+                <a:ea typeface="SauceCodePro Nerd Font" panose="020B0509030403020204" pitchFamily="49" charset="0"/>
+              </a:rPr>
+              <a:t>K=</a:t>
+            </a:r>
+            <a:r>
+              <a:rPr lang="en-US" altLang="zh-TW" sz="1600" dirty="0" err="1" smtClean="0">
+                <a:latin typeface="SauceCodePro Nerd Font" panose="020B0509030403020204" pitchFamily="49" charset="0"/>
+                <a:ea typeface="SauceCodePro Nerd Font" panose="020B0509030403020204" pitchFamily="49" charset="0"/>
+              </a:rPr>
+              <a:t>V</a:t>
+            </a:r>
+            <a:r>
+              <a:rPr lang="en-US" altLang="zh-TW" sz="1600" baseline="-25000" dirty="0" err="1" smtClean="0">
+                <a:latin typeface="SauceCodePro Nerd Font" panose="020B0509030403020204" pitchFamily="49" charset="0"/>
+                <a:ea typeface="SauceCodePro Nerd Font" panose="020B0509030403020204" pitchFamily="49" charset="0"/>
+              </a:rPr>
+              <a:t>input</a:t>
+            </a:r>
+            <a:endParaRPr lang="zh-TW" altLang="en-US" sz="1600" baseline="-25000" dirty="0">
+              <a:latin typeface="SauceCodePro Nerd Font" panose="020B0509030403020204" pitchFamily="49" charset="0"/>
+            </a:endParaRPr>
+          </a:p>
+        </p:txBody>
+      </p:sp>
+      <p:sp>
+        <p:nvSpPr>
+          <p:cNvPr id="115" name="書卷 (垂直) 114"/>
+          <p:cNvSpPr/>
+          <p:nvPr/>
+        </p:nvSpPr>
+        <p:spPr>
+          <a:xfrm>
+            <a:off x="14204450" y="4244427"/>
+            <a:ext cx="1255061" cy="632772"/>
+          </a:xfrm>
+          <a:prstGeom prst="verticalScroll">
+            <a:avLst>
+              <a:gd name="adj" fmla="val 17317"/>
+            </a:avLst>
+          </a:prstGeom>
+          <a:solidFill>
+            <a:srgbClr val="191919"/>
+          </a:solidFill>
+          <a:ln w="19050">
+            <a:solidFill>
+              <a:srgbClr val="92D050"/>
+            </a:solidFill>
+          </a:ln>
+        </p:spPr>
+        <p:style>
+          <a:lnRef idx="2">
+            <a:schemeClr val="accent1">
+              <a:shade val="50000"/>
+            </a:schemeClr>
+          </a:lnRef>
+          <a:fillRef idx="1">
+            <a:schemeClr val="accent1"/>
+          </a:fillRef>
+          <a:effectRef idx="0">
+            <a:schemeClr val="accent1"/>
+          </a:effectRef>
+          <a:fontRef idx="minor">
+            <a:schemeClr val="lt1"/>
+          </a:fontRef>
+        </p:style>
+        <p:txBody>
+          <a:bodyPr rtlCol="0" anchor="ctr"/>
+          <a:lstStyle/>
+          <a:p>
+            <a:pPr algn="ctr"/>
+            <a:r>
+              <a:rPr lang="en-US" altLang="zh-TW" sz="1600" baseline="-25000" dirty="0" smtClean="0">
+                <a:latin typeface="SauceCodePro Nerd Font" panose="020B0509030403020204" pitchFamily="49" charset="0"/>
+                <a:ea typeface="SauceCodePro Nerd Font" panose="020B0509030403020204" pitchFamily="49" charset="0"/>
+              </a:rPr>
+              <a:t>1</a:t>
+            </a:r>
+            <a:r>
+              <a:rPr lang="en-US" altLang="zh-TW" sz="1600" dirty="0" smtClean="0">
+                <a:latin typeface="SauceCodePro Nerd Font" panose="020B0509030403020204" pitchFamily="49" charset="0"/>
+                <a:ea typeface="SauceCodePro Nerd Font" panose="020B0509030403020204" pitchFamily="49" charset="0"/>
+              </a:rPr>
+              <a:t>K=</a:t>
+            </a:r>
+            <a:r>
+              <a:rPr lang="en-US" altLang="zh-TW" sz="1600" dirty="0" err="1" smtClean="0">
+                <a:latin typeface="SauceCodePro Nerd Font" panose="020B0509030403020204" pitchFamily="49" charset="0"/>
+                <a:ea typeface="SauceCodePro Nerd Font" panose="020B0509030403020204" pitchFamily="49" charset="0"/>
+              </a:rPr>
+              <a:t>V</a:t>
+            </a:r>
+            <a:r>
+              <a:rPr lang="en-US" altLang="zh-TW" sz="1600" baseline="-25000" dirty="0" err="1" smtClean="0">
+                <a:latin typeface="SauceCodePro Nerd Font" panose="020B0509030403020204" pitchFamily="49" charset="0"/>
+                <a:ea typeface="SauceCodePro Nerd Font" panose="020B0509030403020204" pitchFamily="49" charset="0"/>
+              </a:rPr>
+              <a:t>input</a:t>
+            </a:r>
+            <a:endParaRPr lang="zh-TW" altLang="en-US" sz="1600" baseline="-25000" dirty="0">
+              <a:latin typeface="SauceCodePro Nerd Font" panose="020B0509030403020204" pitchFamily="49" charset="0"/>
+            </a:endParaRPr>
+          </a:p>
+        </p:txBody>
+      </p:sp>
+      <p:sp>
+        <p:nvSpPr>
+          <p:cNvPr id="120" name="書卷 (垂直) 119"/>
+          <p:cNvSpPr/>
+          <p:nvPr/>
+        </p:nvSpPr>
+        <p:spPr>
+          <a:xfrm>
+            <a:off x="14636315" y="6029836"/>
+            <a:ext cx="1255061" cy="632772"/>
+          </a:xfrm>
+          <a:prstGeom prst="verticalScroll">
+            <a:avLst>
+              <a:gd name="adj" fmla="val 17317"/>
+            </a:avLst>
+          </a:prstGeom>
+          <a:solidFill>
+            <a:srgbClr val="191919"/>
+          </a:solidFill>
+          <a:ln w="19050">
+            <a:solidFill>
+              <a:srgbClr val="92D050"/>
+            </a:solidFill>
+          </a:ln>
+        </p:spPr>
+        <p:style>
+          <a:lnRef idx="2">
+            <a:schemeClr val="accent1">
+              <a:shade val="50000"/>
+            </a:schemeClr>
+          </a:lnRef>
+          <a:fillRef idx="1">
+            <a:schemeClr val="accent1"/>
+          </a:fillRef>
+          <a:effectRef idx="0">
+            <a:schemeClr val="accent1"/>
+          </a:effectRef>
+          <a:fontRef idx="minor">
+            <a:schemeClr val="lt1"/>
+          </a:fontRef>
+        </p:style>
+        <p:txBody>
+          <a:bodyPr rtlCol="0" anchor="ctr"/>
+          <a:lstStyle/>
+          <a:p>
+            <a:pPr algn="ctr"/>
+            <a:r>
+              <a:rPr lang="en-US" altLang="zh-TW" sz="1600" baseline="-25000" dirty="0" smtClean="0">
+                <a:latin typeface="SauceCodePro Nerd Font" panose="020B0509030403020204" pitchFamily="49" charset="0"/>
+                <a:ea typeface="SauceCodePro Nerd Font" panose="020B0509030403020204" pitchFamily="49" charset="0"/>
+              </a:rPr>
+              <a:t>3</a:t>
+            </a:r>
+            <a:r>
+              <a:rPr lang="en-US" altLang="zh-TW" sz="1600" dirty="0" smtClean="0">
+                <a:latin typeface="SauceCodePro Nerd Font" panose="020B0509030403020204" pitchFamily="49" charset="0"/>
+                <a:ea typeface="SauceCodePro Nerd Font" panose="020B0509030403020204" pitchFamily="49" charset="0"/>
+              </a:rPr>
+              <a:t>K=</a:t>
+            </a:r>
+            <a:r>
+              <a:rPr lang="en-US" altLang="zh-TW" sz="1600" dirty="0" err="1" smtClean="0">
+                <a:latin typeface="SauceCodePro Nerd Font" panose="020B0509030403020204" pitchFamily="49" charset="0"/>
+                <a:ea typeface="SauceCodePro Nerd Font" panose="020B0509030403020204" pitchFamily="49" charset="0"/>
+              </a:rPr>
+              <a:t>V</a:t>
+            </a:r>
+            <a:r>
+              <a:rPr lang="en-US" altLang="zh-TW" sz="1600" baseline="-25000" dirty="0" err="1" smtClean="0">
+                <a:latin typeface="SauceCodePro Nerd Font" panose="020B0509030403020204" pitchFamily="49" charset="0"/>
+                <a:ea typeface="SauceCodePro Nerd Font" panose="020B0509030403020204" pitchFamily="49" charset="0"/>
+              </a:rPr>
+              <a:t>input</a:t>
+            </a:r>
+            <a:endParaRPr lang="zh-TW" altLang="en-US" sz="1600" baseline="-25000" dirty="0">
+              <a:latin typeface="SauceCodePro Nerd Font" panose="020B0509030403020204" pitchFamily="49" charset="0"/>
+            </a:endParaRPr>
+          </a:p>
+        </p:txBody>
+      </p:sp>
+      <p:sp>
+        <p:nvSpPr>
+          <p:cNvPr id="121" name="書卷 (垂直) 120"/>
+          <p:cNvSpPr/>
+          <p:nvPr/>
+        </p:nvSpPr>
+        <p:spPr>
+          <a:xfrm>
+            <a:off x="12854760" y="5337898"/>
+            <a:ext cx="1255061" cy="632772"/>
+          </a:xfrm>
+          <a:prstGeom prst="verticalScroll">
+            <a:avLst>
+              <a:gd name="adj" fmla="val 17317"/>
+            </a:avLst>
+          </a:prstGeom>
+          <a:solidFill>
+            <a:srgbClr val="191919"/>
+          </a:solidFill>
+          <a:ln w="19050">
+            <a:solidFill>
+              <a:srgbClr val="92D050"/>
+            </a:solidFill>
+          </a:ln>
+        </p:spPr>
+        <p:style>
+          <a:lnRef idx="2">
+            <a:schemeClr val="accent1">
+              <a:shade val="50000"/>
+            </a:schemeClr>
+          </a:lnRef>
+          <a:fillRef idx="1">
+            <a:schemeClr val="accent1"/>
+          </a:fillRef>
+          <a:effectRef idx="0">
+            <a:schemeClr val="accent1"/>
+          </a:effectRef>
+          <a:fontRef idx="minor">
+            <a:schemeClr val="lt1"/>
+          </a:fontRef>
+        </p:style>
+        <p:txBody>
+          <a:bodyPr rtlCol="0" anchor="ctr"/>
+          <a:lstStyle/>
+          <a:p>
+            <a:pPr algn="ctr"/>
+            <a:r>
+              <a:rPr lang="en-US" altLang="zh-TW" sz="1600" baseline="-25000" dirty="0" smtClean="0">
+                <a:latin typeface="SauceCodePro Nerd Font" panose="020B0509030403020204" pitchFamily="49" charset="0"/>
+                <a:ea typeface="SauceCodePro Nerd Font" panose="020B0509030403020204" pitchFamily="49" charset="0"/>
+              </a:rPr>
+              <a:t>2</a:t>
+            </a:r>
+            <a:r>
+              <a:rPr lang="en-US" altLang="zh-TW" sz="1600" dirty="0" smtClean="0">
+                <a:latin typeface="SauceCodePro Nerd Font" panose="020B0509030403020204" pitchFamily="49" charset="0"/>
+                <a:ea typeface="SauceCodePro Nerd Font" panose="020B0509030403020204" pitchFamily="49" charset="0"/>
+              </a:rPr>
+              <a:t>K=</a:t>
+            </a:r>
+            <a:r>
+              <a:rPr lang="en-US" altLang="zh-TW" sz="1600" dirty="0" err="1" smtClean="0">
+                <a:latin typeface="SauceCodePro Nerd Font" panose="020B0509030403020204" pitchFamily="49" charset="0"/>
+                <a:ea typeface="SauceCodePro Nerd Font" panose="020B0509030403020204" pitchFamily="49" charset="0"/>
+              </a:rPr>
+              <a:t>V</a:t>
+            </a:r>
+            <a:r>
+              <a:rPr lang="en-US" altLang="zh-TW" sz="1600" baseline="-25000" dirty="0" err="1" smtClean="0">
+                <a:latin typeface="SauceCodePro Nerd Font" panose="020B0509030403020204" pitchFamily="49" charset="0"/>
+                <a:ea typeface="SauceCodePro Nerd Font" panose="020B0509030403020204" pitchFamily="49" charset="0"/>
+              </a:rPr>
+              <a:t>input</a:t>
+            </a:r>
+            <a:endParaRPr lang="zh-TW" altLang="en-US" sz="1600" baseline="-25000" dirty="0">
+              <a:latin typeface="SauceCodePro Nerd Font" panose="020B0509030403020204" pitchFamily="49" charset="0"/>
+            </a:endParaRPr>
+          </a:p>
+        </p:txBody>
+      </p:sp>
+    </p:spTree>
+    <p:extLst>
+      <p:ext uri="{BB962C8B-B14F-4D97-AF65-F5344CB8AC3E}">
+        <p14:creationId xmlns:p14="http://schemas.microsoft.com/office/powerpoint/2010/main" val="2292798672"/>
+      </p:ext>
+    </p:extLst>
+  </p:cSld>
+  <p:clrMapOvr>
+    <a:masterClrMapping/>
+  </p:clrMapOvr>
+  <p:timing>
+    <p:tnLst>
+      <p:par>
+        <p:cTn id="1" dur="indefinite" restart="never" nodeType="tmRoot"/>
+      </p:par>
+    </p:tnLst>
+  </p:timing>
+</p:sld>
+</file>
+
+<file path=ppt/slides/slide2.xml><?xml version="1.0" encoding="utf-8"?>
+<p:sld xmlns:a="http://schemas.openxmlformats.org/drawingml/2006/main" xmlns:r="http://schemas.openxmlformats.org/officeDocument/2006/relationships" xmlns:p="http://schemas.openxmlformats.org/presentationml/2006/main">
+  <p:cSld>
+    <p:bg>
+      <p:bgPr>
+        <a:solidFill>
+          <a:srgbClr val="191919"/>
+        </a:solidFill>
+        <a:effectLst/>
+      </p:bgPr>
+    </p:bg>
+    <p:spTree>
+      <p:nvGrpSpPr>
+        <p:cNvPr id="1" name=""/>
+        <p:cNvGrpSpPr/>
+        <p:nvPr/>
+      </p:nvGrpSpPr>
+      <p:grpSpPr>
+        <a:xfrm>
+          <a:off x="0" y="0"/>
+          <a:ext cx="0" cy="0"/>
+          <a:chOff x="0" y="0"/>
+          <a:chExt cx="0" cy="0"/>
+        </a:xfrm>
+      </p:grpSpPr>
+      <p:sp>
+        <p:nvSpPr>
+          <p:cNvPr id="89" name="橢圓 88"/>
+          <p:cNvSpPr/>
+          <p:nvPr/>
+        </p:nvSpPr>
+        <p:spPr>
+          <a:xfrm>
+            <a:off x="12022317" y="3045795"/>
+            <a:ext cx="4664598" cy="4317357"/>
+          </a:xfrm>
+          <a:prstGeom prst="ellipse">
+            <a:avLst/>
+          </a:prstGeom>
+          <a:solidFill>
+            <a:srgbClr val="191919"/>
+          </a:solidFill>
+          <a:ln w="19050">
+            <a:solidFill>
+              <a:srgbClr val="92D050"/>
+            </a:solidFill>
+          </a:ln>
+        </p:spPr>
+        <p:style>
+          <a:lnRef idx="2">
+            <a:schemeClr val="accent1">
+              <a:shade val="50000"/>
+            </a:schemeClr>
+          </a:lnRef>
+          <a:fillRef idx="1">
+            <a:schemeClr val="accent1"/>
+          </a:fillRef>
+          <a:effectRef idx="0">
+            <a:schemeClr val="accent1"/>
+          </a:effectRef>
+          <a:fontRef idx="minor">
+            <a:schemeClr val="lt1"/>
+          </a:fontRef>
+        </p:style>
+        <p:txBody>
+          <a:bodyPr rtlCol="0" anchor="ctr"/>
+          <a:lstStyle/>
+          <a:p>
+            <a:pPr algn="ctr"/>
+            <a:endParaRPr lang="zh-TW" altLang="en-US"/>
+          </a:p>
+        </p:txBody>
+      </p:sp>
+      <p:sp>
+        <p:nvSpPr>
+          <p:cNvPr id="44" name="圓角矩形 43"/>
+          <p:cNvSpPr/>
+          <p:nvPr/>
+        </p:nvSpPr>
+        <p:spPr>
+          <a:xfrm>
+            <a:off x="13449472" y="3314652"/>
+            <a:ext cx="1975397" cy="566928"/>
+          </a:xfrm>
+          <a:prstGeom prst="roundRect">
+            <a:avLst/>
+          </a:prstGeom>
+          <a:noFill/>
+          <a:ln w="19050">
+            <a:noFill/>
+          </a:ln>
+        </p:spPr>
+        <p:style>
+          <a:lnRef idx="2">
+            <a:schemeClr val="accent1">
+              <a:shade val="50000"/>
+            </a:schemeClr>
+          </a:lnRef>
+          <a:fillRef idx="1">
+            <a:schemeClr val="accent1"/>
+          </a:fillRef>
+          <a:effectRef idx="0">
+            <a:schemeClr val="accent1"/>
+          </a:effectRef>
+          <a:fontRef idx="minor">
+            <a:schemeClr val="lt1"/>
+          </a:fontRef>
+        </p:style>
+        <p:txBody>
+          <a:bodyPr rtlCol="0" anchor="ctr"/>
+          <a:lstStyle/>
+          <a:p>
+            <a:pPr algn="ctr"/>
+            <a:r>
+              <a:rPr lang="en-US" altLang="zh-TW" sz="2400" dirty="0" smtClean="0">
+                <a:latin typeface="SauceCodePro Nerd Font" panose="020B0509030403020204" pitchFamily="49" charset="0"/>
+                <a:ea typeface="SauceCodePro Nerd Font" panose="020B0509030403020204" pitchFamily="49" charset="0"/>
+              </a:rPr>
+              <a:t>K=</a:t>
+            </a:r>
+            <a:r>
+              <a:rPr lang="en-US" altLang="zh-TW" sz="2400" dirty="0" err="1" smtClean="0">
+                <a:latin typeface="SauceCodePro Nerd Font" panose="020B0509030403020204" pitchFamily="49" charset="0"/>
+                <a:ea typeface="SauceCodePro Nerd Font" panose="020B0509030403020204" pitchFamily="49" charset="0"/>
+              </a:rPr>
+              <a:t>V</a:t>
+            </a:r>
+            <a:r>
+              <a:rPr lang="en-US" altLang="zh-TW" sz="2400" baseline="-25000" dirty="0" err="1" smtClean="0">
+                <a:latin typeface="SauceCodePro Nerd Font" panose="020B0509030403020204" pitchFamily="49" charset="0"/>
+                <a:ea typeface="SauceCodePro Nerd Font" panose="020B0509030403020204" pitchFamily="49" charset="0"/>
+              </a:rPr>
+              <a:t>input</a:t>
+            </a:r>
+            <a:endParaRPr lang="en-US" altLang="zh-TW" sz="2400" baseline="-25000" dirty="0" smtClean="0">
+              <a:latin typeface="SauceCodePro Nerd Font" panose="020B0509030403020204" pitchFamily="49" charset="0"/>
+              <a:ea typeface="SauceCodePro Nerd Font" panose="020B0509030403020204" pitchFamily="49" charset="0"/>
+            </a:endParaRPr>
+          </a:p>
+        </p:txBody>
+      </p:sp>
+      <p:sp>
+        <p:nvSpPr>
+          <p:cNvPr id="17" name="橢圓 16"/>
+          <p:cNvSpPr/>
+          <p:nvPr/>
+        </p:nvSpPr>
+        <p:spPr>
+          <a:xfrm>
+            <a:off x="5894730" y="3279886"/>
+            <a:ext cx="4355102" cy="4083266"/>
+          </a:xfrm>
+          <a:prstGeom prst="ellipse">
+            <a:avLst/>
+          </a:prstGeom>
+          <a:solidFill>
+            <a:srgbClr val="191919"/>
+          </a:solidFill>
+          <a:ln w="19050">
+            <a:solidFill>
+              <a:srgbClr val="FF0066"/>
+            </a:solidFill>
+          </a:ln>
+        </p:spPr>
+        <p:style>
+          <a:lnRef idx="2">
+            <a:schemeClr val="accent1">
+              <a:shade val="50000"/>
+            </a:schemeClr>
+          </a:lnRef>
+          <a:fillRef idx="1">
+            <a:schemeClr val="accent1"/>
+          </a:fillRef>
+          <a:effectRef idx="0">
+            <a:schemeClr val="accent1"/>
+          </a:effectRef>
+          <a:fontRef idx="minor">
+            <a:schemeClr val="lt1"/>
+          </a:fontRef>
+        </p:style>
+        <p:txBody>
+          <a:bodyPr rtlCol="0" anchor="ctr"/>
+          <a:lstStyle/>
+          <a:p>
+            <a:pPr algn="ctr"/>
+            <a:endParaRPr lang="zh-TW" altLang="en-US"/>
+          </a:p>
+        </p:txBody>
+      </p:sp>
+      <p:sp>
+        <p:nvSpPr>
+          <p:cNvPr id="29" name="圓角矩形 28"/>
+          <p:cNvSpPr/>
+          <p:nvPr/>
+        </p:nvSpPr>
+        <p:spPr>
+          <a:xfrm>
+            <a:off x="7496591" y="3463113"/>
+            <a:ext cx="1284517" cy="566928"/>
+          </a:xfrm>
+          <a:prstGeom prst="roundRect">
+            <a:avLst/>
+          </a:prstGeom>
+          <a:noFill/>
+          <a:ln w="19050">
+            <a:noFill/>
+          </a:ln>
+        </p:spPr>
+        <p:style>
+          <a:lnRef idx="2">
+            <a:schemeClr val="accent1">
+              <a:shade val="50000"/>
+            </a:schemeClr>
+          </a:lnRef>
+          <a:fillRef idx="1">
+            <a:schemeClr val="accent1"/>
+          </a:fillRef>
+          <a:effectRef idx="0">
+            <a:schemeClr val="accent1"/>
+          </a:effectRef>
+          <a:fontRef idx="minor">
+            <a:schemeClr val="lt1"/>
+          </a:fontRef>
+        </p:style>
+        <p:txBody>
+          <a:bodyPr rtlCol="0" anchor="ctr"/>
+          <a:lstStyle/>
+          <a:p>
+            <a:pPr algn="ctr"/>
+            <a:r>
+              <a:rPr lang="en-US" altLang="zh-TW" sz="2400" dirty="0" err="1" smtClean="0">
+                <a:latin typeface="SauceCodePro Nerd Font" panose="020B0509030403020204" pitchFamily="49" charset="0"/>
+                <a:ea typeface="SauceCodePro Nerd Font" panose="020B0509030403020204" pitchFamily="49" charset="0"/>
+              </a:rPr>
+              <a:t>Q</a:t>
+            </a:r>
+            <a:r>
+              <a:rPr lang="en-US" altLang="zh-TW" sz="2400" baseline="-25000" dirty="0" err="1" smtClean="0">
+                <a:latin typeface="SauceCodePro Nerd Font" panose="020B0509030403020204" pitchFamily="49" charset="0"/>
+                <a:ea typeface="SauceCodePro Nerd Font" panose="020B0509030403020204" pitchFamily="49" charset="0"/>
+              </a:rPr>
+              <a:t>input</a:t>
+            </a:r>
+            <a:endParaRPr lang="zh-TW" altLang="en-US" sz="2400" baseline="-25000" dirty="0">
+              <a:latin typeface="SauceCodePro Nerd Font" panose="020B0509030403020204" pitchFamily="49" charset="0"/>
+            </a:endParaRPr>
+          </a:p>
+        </p:txBody>
+      </p:sp>
+      <p:sp>
+        <p:nvSpPr>
+          <p:cNvPr id="100" name="綵帶 (向上) 99"/>
+          <p:cNvSpPr/>
+          <p:nvPr/>
+        </p:nvSpPr>
+        <p:spPr>
+          <a:xfrm>
+            <a:off x="6445379" y="4567732"/>
+            <a:ext cx="1538200" cy="487680"/>
+          </a:xfrm>
+          <a:prstGeom prst="ribbon2">
+            <a:avLst>
+              <a:gd name="adj1" fmla="val 21355"/>
+              <a:gd name="adj2" fmla="val 72451"/>
+            </a:avLst>
+          </a:prstGeom>
+          <a:solidFill>
+            <a:srgbClr val="191919"/>
+          </a:solidFill>
+          <a:ln w="19050">
+            <a:solidFill>
+              <a:srgbClr val="FF0066"/>
+            </a:solidFill>
+          </a:ln>
+        </p:spPr>
+        <p:style>
+          <a:lnRef idx="2">
+            <a:schemeClr val="accent1">
+              <a:shade val="50000"/>
+            </a:schemeClr>
+          </a:lnRef>
+          <a:fillRef idx="1">
+            <a:schemeClr val="accent1"/>
+          </a:fillRef>
+          <a:effectRef idx="0">
+            <a:schemeClr val="accent1"/>
+          </a:effectRef>
+          <a:fontRef idx="minor">
+            <a:schemeClr val="lt1"/>
+          </a:fontRef>
+        </p:style>
+        <p:txBody>
+          <a:bodyPr rtlCol="0" anchor="ctr"/>
+          <a:lstStyle/>
+          <a:p>
+            <a:pPr algn="ctr"/>
+            <a:r>
+              <a:rPr lang="en-US" altLang="zh-TW" sz="1600" baseline="-25000" dirty="0" smtClean="0">
+                <a:latin typeface="SauceCodePro Nerd Font" panose="020B0509030403020204" pitchFamily="49" charset="0"/>
+                <a:ea typeface="SauceCodePro Nerd Font" panose="020B0509030403020204" pitchFamily="49" charset="0"/>
+              </a:rPr>
+              <a:t>1</a:t>
+            </a:r>
+            <a:r>
+              <a:rPr lang="en-US" altLang="zh-TW" sz="1600" dirty="0" smtClean="0">
+                <a:latin typeface="SauceCodePro Nerd Font" panose="020B0509030403020204" pitchFamily="49" charset="0"/>
+                <a:ea typeface="SauceCodePro Nerd Font" panose="020B0509030403020204" pitchFamily="49" charset="0"/>
+              </a:rPr>
+              <a:t>Q</a:t>
+            </a:r>
+            <a:r>
+              <a:rPr lang="en-US" altLang="zh-TW" sz="1600" baseline="-25000" dirty="0" smtClean="0">
+                <a:latin typeface="SauceCodePro Nerd Font" panose="020B0509030403020204" pitchFamily="49" charset="0"/>
+                <a:ea typeface="SauceCodePro Nerd Font" panose="020B0509030403020204" pitchFamily="49" charset="0"/>
+              </a:rPr>
+              <a:t>input</a:t>
+            </a:r>
+            <a:endParaRPr lang="zh-TW" altLang="en-US" sz="1600" baseline="-25000" dirty="0">
+              <a:latin typeface="SauceCodePro Nerd Font" panose="020B0509030403020204" pitchFamily="49" charset="0"/>
+            </a:endParaRPr>
+          </a:p>
+        </p:txBody>
+      </p:sp>
+      <p:sp>
+        <p:nvSpPr>
+          <p:cNvPr id="102" name="綵帶 (向上) 101"/>
+          <p:cNvSpPr/>
+          <p:nvPr/>
+        </p:nvSpPr>
+        <p:spPr>
+          <a:xfrm>
+            <a:off x="6380750" y="5945707"/>
+            <a:ext cx="1538200" cy="487680"/>
+          </a:xfrm>
+          <a:prstGeom prst="ribbon2">
+            <a:avLst>
+              <a:gd name="adj1" fmla="val 21355"/>
+              <a:gd name="adj2" fmla="val 72451"/>
+            </a:avLst>
+          </a:prstGeom>
+          <a:solidFill>
+            <a:srgbClr val="191919"/>
+          </a:solidFill>
+          <a:ln w="19050">
+            <a:solidFill>
+              <a:srgbClr val="FF0066"/>
+            </a:solidFill>
+          </a:ln>
+        </p:spPr>
+        <p:style>
+          <a:lnRef idx="2">
+            <a:schemeClr val="accent1">
+              <a:shade val="50000"/>
+            </a:schemeClr>
+          </a:lnRef>
+          <a:fillRef idx="1">
+            <a:schemeClr val="accent1"/>
+          </a:fillRef>
+          <a:effectRef idx="0">
+            <a:schemeClr val="accent1"/>
+          </a:effectRef>
+          <a:fontRef idx="minor">
+            <a:schemeClr val="lt1"/>
+          </a:fontRef>
+        </p:style>
+        <p:txBody>
+          <a:bodyPr rtlCol="0" anchor="ctr"/>
+          <a:lstStyle/>
+          <a:p>
+            <a:pPr algn="ctr"/>
+            <a:r>
+              <a:rPr lang="en-US" altLang="zh-TW" sz="1600" baseline="-25000" dirty="0" smtClean="0">
+                <a:latin typeface="SauceCodePro Nerd Font" panose="020B0509030403020204" pitchFamily="49" charset="0"/>
+                <a:ea typeface="SauceCodePro Nerd Font" panose="020B0509030403020204" pitchFamily="49" charset="0"/>
+              </a:rPr>
+              <a:t>2</a:t>
+            </a:r>
+            <a:r>
+              <a:rPr lang="en-US" altLang="zh-TW" sz="1600" dirty="0" smtClean="0">
+                <a:latin typeface="SauceCodePro Nerd Font" panose="020B0509030403020204" pitchFamily="49" charset="0"/>
+                <a:ea typeface="SauceCodePro Nerd Font" panose="020B0509030403020204" pitchFamily="49" charset="0"/>
+              </a:rPr>
+              <a:t>Q</a:t>
+            </a:r>
+            <a:r>
+              <a:rPr lang="en-US" altLang="zh-TW" sz="1600" baseline="-25000" dirty="0" smtClean="0">
+                <a:latin typeface="SauceCodePro Nerd Font" panose="020B0509030403020204" pitchFamily="49" charset="0"/>
+                <a:ea typeface="SauceCodePro Nerd Font" panose="020B0509030403020204" pitchFamily="49" charset="0"/>
+              </a:rPr>
+              <a:t>input</a:t>
+            </a:r>
+            <a:endParaRPr lang="zh-TW" altLang="en-US" sz="1600" baseline="-25000" dirty="0">
+              <a:latin typeface="SauceCodePro Nerd Font" panose="020B0509030403020204" pitchFamily="49" charset="0"/>
+            </a:endParaRPr>
+          </a:p>
+        </p:txBody>
+      </p:sp>
+      <p:sp>
+        <p:nvSpPr>
+          <p:cNvPr id="103" name="綵帶 (向上) 102"/>
+          <p:cNvSpPr/>
+          <p:nvPr/>
+        </p:nvSpPr>
+        <p:spPr>
+          <a:xfrm>
+            <a:off x="7918950" y="5335255"/>
+            <a:ext cx="1538200" cy="487680"/>
+          </a:xfrm>
+          <a:prstGeom prst="ribbon2">
+            <a:avLst>
+              <a:gd name="adj1" fmla="val 21355"/>
+              <a:gd name="adj2" fmla="val 72451"/>
+            </a:avLst>
+          </a:prstGeom>
+          <a:solidFill>
+            <a:srgbClr val="191919"/>
+          </a:solidFill>
+          <a:ln w="19050">
+            <a:solidFill>
+              <a:srgbClr val="FF0066"/>
+            </a:solidFill>
+          </a:ln>
+        </p:spPr>
+        <p:style>
+          <a:lnRef idx="2">
+            <a:schemeClr val="accent1">
+              <a:shade val="50000"/>
+            </a:schemeClr>
+          </a:lnRef>
+          <a:fillRef idx="1">
+            <a:schemeClr val="accent1"/>
+          </a:fillRef>
+          <a:effectRef idx="0">
+            <a:schemeClr val="accent1"/>
+          </a:effectRef>
+          <a:fontRef idx="minor">
+            <a:schemeClr val="lt1"/>
+          </a:fontRef>
+        </p:style>
+        <p:txBody>
+          <a:bodyPr rtlCol="0" anchor="ctr"/>
+          <a:lstStyle/>
+          <a:p>
+            <a:pPr algn="ctr"/>
+            <a:r>
+              <a:rPr lang="en-US" altLang="zh-TW" sz="1600" baseline="-25000" dirty="0" smtClean="0">
+                <a:latin typeface="SauceCodePro Nerd Font" panose="020B0509030403020204" pitchFamily="49" charset="0"/>
+                <a:ea typeface="SauceCodePro Nerd Font" panose="020B0509030403020204" pitchFamily="49" charset="0"/>
+              </a:rPr>
+              <a:t>0</a:t>
+            </a:r>
+            <a:r>
+              <a:rPr lang="en-US" altLang="zh-TW" sz="1600" dirty="0" smtClean="0">
+                <a:latin typeface="SauceCodePro Nerd Font" panose="020B0509030403020204" pitchFamily="49" charset="0"/>
+                <a:ea typeface="SauceCodePro Nerd Font" panose="020B0509030403020204" pitchFamily="49" charset="0"/>
+              </a:rPr>
+              <a:t>Q</a:t>
+            </a:r>
+            <a:r>
+              <a:rPr lang="en-US" altLang="zh-TW" sz="1600" baseline="-25000" dirty="0" smtClean="0">
+                <a:latin typeface="SauceCodePro Nerd Font" panose="020B0509030403020204" pitchFamily="49" charset="0"/>
+                <a:ea typeface="SauceCodePro Nerd Font" panose="020B0509030403020204" pitchFamily="49" charset="0"/>
+              </a:rPr>
+              <a:t>input</a:t>
+            </a:r>
+            <a:endParaRPr lang="zh-TW" altLang="en-US" sz="1600" baseline="-25000" dirty="0">
+              <a:latin typeface="SauceCodePro Nerd Font" panose="020B0509030403020204" pitchFamily="49" charset="0"/>
+            </a:endParaRPr>
+          </a:p>
+        </p:txBody>
+      </p:sp>
+      <p:sp>
+        <p:nvSpPr>
+          <p:cNvPr id="109" name="書卷 (垂直) 108"/>
+          <p:cNvSpPr/>
+          <p:nvPr/>
+        </p:nvSpPr>
+        <p:spPr>
+          <a:xfrm>
+            <a:off x="12679911" y="4000198"/>
+            <a:ext cx="1255061" cy="632772"/>
+          </a:xfrm>
+          <a:prstGeom prst="verticalScroll">
+            <a:avLst>
+              <a:gd name="adj" fmla="val 17317"/>
+            </a:avLst>
+          </a:prstGeom>
+          <a:solidFill>
+            <a:srgbClr val="191919"/>
+          </a:solidFill>
+          <a:ln w="19050">
+            <a:solidFill>
+              <a:srgbClr val="92D050"/>
+            </a:solidFill>
+          </a:ln>
+        </p:spPr>
+        <p:style>
+          <a:lnRef idx="2">
+            <a:schemeClr val="accent1">
+              <a:shade val="50000"/>
+            </a:schemeClr>
+          </a:lnRef>
+          <a:fillRef idx="1">
+            <a:schemeClr val="accent1"/>
+          </a:fillRef>
+          <a:effectRef idx="0">
+            <a:schemeClr val="accent1"/>
+          </a:effectRef>
+          <a:fontRef idx="minor">
+            <a:schemeClr val="lt1"/>
+          </a:fontRef>
+        </p:style>
+        <p:txBody>
+          <a:bodyPr rtlCol="0" anchor="ctr"/>
+          <a:lstStyle/>
+          <a:p>
+            <a:pPr algn="ctr"/>
+            <a:r>
+              <a:rPr lang="en-US" altLang="zh-TW" sz="1600" baseline="-25000" dirty="0" smtClean="0">
+                <a:latin typeface="SauceCodePro Nerd Font" panose="020B0509030403020204" pitchFamily="49" charset="0"/>
+                <a:ea typeface="SauceCodePro Nerd Font" panose="020B0509030403020204" pitchFamily="49" charset="0"/>
+              </a:rPr>
+              <a:t>0</a:t>
+            </a:r>
+            <a:r>
+              <a:rPr lang="en-US" altLang="zh-TW" sz="1600" dirty="0" smtClean="0">
+                <a:latin typeface="SauceCodePro Nerd Font" panose="020B0509030403020204" pitchFamily="49" charset="0"/>
+                <a:ea typeface="SauceCodePro Nerd Font" panose="020B0509030403020204" pitchFamily="49" charset="0"/>
+              </a:rPr>
+              <a:t>K=</a:t>
+            </a:r>
+            <a:r>
+              <a:rPr lang="en-US" altLang="zh-TW" sz="1600" dirty="0" err="1" smtClean="0">
+                <a:latin typeface="SauceCodePro Nerd Font" panose="020B0509030403020204" pitchFamily="49" charset="0"/>
+                <a:ea typeface="SauceCodePro Nerd Font" panose="020B0509030403020204" pitchFamily="49" charset="0"/>
+              </a:rPr>
+              <a:t>V</a:t>
+            </a:r>
+            <a:r>
+              <a:rPr lang="en-US" altLang="zh-TW" sz="1600" baseline="-25000" dirty="0" err="1" smtClean="0">
+                <a:latin typeface="SauceCodePro Nerd Font" panose="020B0509030403020204" pitchFamily="49" charset="0"/>
+                <a:ea typeface="SauceCodePro Nerd Font" panose="020B0509030403020204" pitchFamily="49" charset="0"/>
+              </a:rPr>
+              <a:t>input</a:t>
+            </a:r>
+            <a:endParaRPr lang="zh-TW" altLang="en-US" sz="1600" baseline="-25000" dirty="0">
+              <a:latin typeface="SauceCodePro Nerd Font" panose="020B0509030403020204" pitchFamily="49" charset="0"/>
+            </a:endParaRPr>
+          </a:p>
+        </p:txBody>
+      </p:sp>
+      <p:sp>
+        <p:nvSpPr>
+          <p:cNvPr id="115" name="書卷 (垂直) 114"/>
+          <p:cNvSpPr/>
+          <p:nvPr/>
+        </p:nvSpPr>
+        <p:spPr>
+          <a:xfrm>
+            <a:off x="14204450" y="4244427"/>
+            <a:ext cx="1255061" cy="632772"/>
+          </a:xfrm>
+          <a:prstGeom prst="verticalScroll">
+            <a:avLst>
+              <a:gd name="adj" fmla="val 17317"/>
+            </a:avLst>
+          </a:prstGeom>
+          <a:solidFill>
+            <a:srgbClr val="191919"/>
+          </a:solidFill>
+          <a:ln w="19050">
+            <a:solidFill>
+              <a:srgbClr val="92D050"/>
+            </a:solidFill>
+          </a:ln>
+        </p:spPr>
+        <p:style>
+          <a:lnRef idx="2">
+            <a:schemeClr val="accent1">
+              <a:shade val="50000"/>
+            </a:schemeClr>
+          </a:lnRef>
+          <a:fillRef idx="1">
+            <a:schemeClr val="accent1"/>
+          </a:fillRef>
+          <a:effectRef idx="0">
+            <a:schemeClr val="accent1"/>
+          </a:effectRef>
+          <a:fontRef idx="minor">
+            <a:schemeClr val="lt1"/>
+          </a:fontRef>
+        </p:style>
+        <p:txBody>
+          <a:bodyPr rtlCol="0" anchor="ctr"/>
+          <a:lstStyle/>
+          <a:p>
+            <a:pPr algn="ctr"/>
+            <a:r>
+              <a:rPr lang="en-US" altLang="zh-TW" sz="1600" baseline="-25000" dirty="0" smtClean="0">
+                <a:latin typeface="SauceCodePro Nerd Font" panose="020B0509030403020204" pitchFamily="49" charset="0"/>
+                <a:ea typeface="SauceCodePro Nerd Font" panose="020B0509030403020204" pitchFamily="49" charset="0"/>
+              </a:rPr>
+              <a:t>1</a:t>
+            </a:r>
+            <a:r>
+              <a:rPr lang="en-US" altLang="zh-TW" sz="1600" dirty="0" smtClean="0">
+                <a:latin typeface="SauceCodePro Nerd Font" panose="020B0509030403020204" pitchFamily="49" charset="0"/>
+                <a:ea typeface="SauceCodePro Nerd Font" panose="020B0509030403020204" pitchFamily="49" charset="0"/>
+              </a:rPr>
+              <a:t>K=</a:t>
+            </a:r>
+            <a:r>
+              <a:rPr lang="en-US" altLang="zh-TW" sz="1600" dirty="0" err="1" smtClean="0">
+                <a:latin typeface="SauceCodePro Nerd Font" panose="020B0509030403020204" pitchFamily="49" charset="0"/>
+                <a:ea typeface="SauceCodePro Nerd Font" panose="020B0509030403020204" pitchFamily="49" charset="0"/>
+              </a:rPr>
+              <a:t>V</a:t>
+            </a:r>
+            <a:r>
+              <a:rPr lang="en-US" altLang="zh-TW" sz="1600" baseline="-25000" dirty="0" err="1" smtClean="0">
+                <a:latin typeface="SauceCodePro Nerd Font" panose="020B0509030403020204" pitchFamily="49" charset="0"/>
+                <a:ea typeface="SauceCodePro Nerd Font" panose="020B0509030403020204" pitchFamily="49" charset="0"/>
+              </a:rPr>
+              <a:t>input</a:t>
+            </a:r>
+            <a:endParaRPr lang="zh-TW" altLang="en-US" sz="1600" baseline="-25000" dirty="0">
+              <a:latin typeface="SauceCodePro Nerd Font" panose="020B0509030403020204" pitchFamily="49" charset="0"/>
+            </a:endParaRPr>
+          </a:p>
+        </p:txBody>
+      </p:sp>
+      <p:sp>
+        <p:nvSpPr>
+          <p:cNvPr id="120" name="書卷 (垂直) 119"/>
+          <p:cNvSpPr/>
+          <p:nvPr/>
+        </p:nvSpPr>
+        <p:spPr>
+          <a:xfrm>
+            <a:off x="14636315" y="6029836"/>
+            <a:ext cx="1255061" cy="632772"/>
+          </a:xfrm>
+          <a:prstGeom prst="verticalScroll">
+            <a:avLst>
+              <a:gd name="adj" fmla="val 17317"/>
+            </a:avLst>
+          </a:prstGeom>
+          <a:solidFill>
+            <a:srgbClr val="191919"/>
+          </a:solidFill>
+          <a:ln w="19050">
+            <a:solidFill>
+              <a:srgbClr val="92D050"/>
+            </a:solidFill>
+          </a:ln>
+        </p:spPr>
+        <p:style>
+          <a:lnRef idx="2">
+            <a:schemeClr val="accent1">
+              <a:shade val="50000"/>
+            </a:schemeClr>
+          </a:lnRef>
+          <a:fillRef idx="1">
+            <a:schemeClr val="accent1"/>
+          </a:fillRef>
+          <a:effectRef idx="0">
+            <a:schemeClr val="accent1"/>
+          </a:effectRef>
+          <a:fontRef idx="minor">
+            <a:schemeClr val="lt1"/>
+          </a:fontRef>
+        </p:style>
+        <p:txBody>
+          <a:bodyPr rtlCol="0" anchor="ctr"/>
+          <a:lstStyle/>
+          <a:p>
+            <a:pPr algn="ctr"/>
+            <a:r>
+              <a:rPr lang="en-US" altLang="zh-TW" sz="1600" baseline="-25000" dirty="0" smtClean="0">
+                <a:latin typeface="SauceCodePro Nerd Font" panose="020B0509030403020204" pitchFamily="49" charset="0"/>
+                <a:ea typeface="SauceCodePro Nerd Font" panose="020B0509030403020204" pitchFamily="49" charset="0"/>
+              </a:rPr>
+              <a:t>3</a:t>
+            </a:r>
+            <a:r>
+              <a:rPr lang="en-US" altLang="zh-TW" sz="1600" dirty="0" smtClean="0">
+                <a:latin typeface="SauceCodePro Nerd Font" panose="020B0509030403020204" pitchFamily="49" charset="0"/>
+                <a:ea typeface="SauceCodePro Nerd Font" panose="020B0509030403020204" pitchFamily="49" charset="0"/>
+              </a:rPr>
+              <a:t>K=</a:t>
+            </a:r>
+            <a:r>
+              <a:rPr lang="en-US" altLang="zh-TW" sz="1600" dirty="0" err="1" smtClean="0">
+                <a:latin typeface="SauceCodePro Nerd Font" panose="020B0509030403020204" pitchFamily="49" charset="0"/>
+                <a:ea typeface="SauceCodePro Nerd Font" panose="020B0509030403020204" pitchFamily="49" charset="0"/>
+              </a:rPr>
+              <a:t>V</a:t>
+            </a:r>
+            <a:r>
+              <a:rPr lang="en-US" altLang="zh-TW" sz="1600" baseline="-25000" dirty="0" err="1" smtClean="0">
+                <a:latin typeface="SauceCodePro Nerd Font" panose="020B0509030403020204" pitchFamily="49" charset="0"/>
+                <a:ea typeface="SauceCodePro Nerd Font" panose="020B0509030403020204" pitchFamily="49" charset="0"/>
+              </a:rPr>
+              <a:t>input</a:t>
+            </a:r>
+            <a:endParaRPr lang="zh-TW" altLang="en-US" sz="1600" baseline="-25000" dirty="0">
+              <a:latin typeface="SauceCodePro Nerd Font" panose="020B0509030403020204" pitchFamily="49" charset="0"/>
+            </a:endParaRPr>
+          </a:p>
+        </p:txBody>
+      </p:sp>
+      <p:sp>
+        <p:nvSpPr>
+          <p:cNvPr id="121" name="書卷 (垂直) 120"/>
+          <p:cNvSpPr/>
+          <p:nvPr/>
+        </p:nvSpPr>
+        <p:spPr>
+          <a:xfrm>
+            <a:off x="12854760" y="5337898"/>
+            <a:ext cx="1255061" cy="632772"/>
+          </a:xfrm>
+          <a:prstGeom prst="verticalScroll">
+            <a:avLst>
+              <a:gd name="adj" fmla="val 17317"/>
+            </a:avLst>
+          </a:prstGeom>
+          <a:solidFill>
+            <a:srgbClr val="191919"/>
+          </a:solidFill>
+          <a:ln w="19050">
+            <a:solidFill>
+              <a:srgbClr val="92D050"/>
+            </a:solidFill>
+          </a:ln>
+        </p:spPr>
+        <p:style>
+          <a:lnRef idx="2">
+            <a:schemeClr val="accent1">
+              <a:shade val="50000"/>
+            </a:schemeClr>
+          </a:lnRef>
+          <a:fillRef idx="1">
+            <a:schemeClr val="accent1"/>
+          </a:fillRef>
+          <a:effectRef idx="0">
+            <a:schemeClr val="accent1"/>
+          </a:effectRef>
+          <a:fontRef idx="minor">
+            <a:schemeClr val="lt1"/>
+          </a:fontRef>
+        </p:style>
+        <p:txBody>
+          <a:bodyPr rtlCol="0" anchor="ctr"/>
+          <a:lstStyle/>
+          <a:p>
+            <a:pPr algn="ctr"/>
+            <a:r>
+              <a:rPr lang="en-US" altLang="zh-TW" sz="1600" baseline="-25000" dirty="0" smtClean="0">
+                <a:latin typeface="SauceCodePro Nerd Font" panose="020B0509030403020204" pitchFamily="49" charset="0"/>
+                <a:ea typeface="SauceCodePro Nerd Font" panose="020B0509030403020204" pitchFamily="49" charset="0"/>
+              </a:rPr>
+              <a:t>2</a:t>
+            </a:r>
+            <a:r>
+              <a:rPr lang="en-US" altLang="zh-TW" sz="1600" dirty="0" smtClean="0">
+                <a:latin typeface="SauceCodePro Nerd Font" panose="020B0509030403020204" pitchFamily="49" charset="0"/>
+                <a:ea typeface="SauceCodePro Nerd Font" panose="020B0509030403020204" pitchFamily="49" charset="0"/>
+              </a:rPr>
+              <a:t>K=</a:t>
+            </a:r>
+            <a:r>
+              <a:rPr lang="en-US" altLang="zh-TW" sz="1600" dirty="0" err="1" smtClean="0">
+                <a:latin typeface="SauceCodePro Nerd Font" panose="020B0509030403020204" pitchFamily="49" charset="0"/>
+                <a:ea typeface="SauceCodePro Nerd Font" panose="020B0509030403020204" pitchFamily="49" charset="0"/>
+              </a:rPr>
+              <a:t>V</a:t>
+            </a:r>
+            <a:r>
+              <a:rPr lang="en-US" altLang="zh-TW" sz="1600" baseline="-25000" dirty="0" err="1" smtClean="0">
+                <a:latin typeface="SauceCodePro Nerd Font" panose="020B0509030403020204" pitchFamily="49" charset="0"/>
+                <a:ea typeface="SauceCodePro Nerd Font" panose="020B0509030403020204" pitchFamily="49" charset="0"/>
+              </a:rPr>
+              <a:t>input</a:t>
+            </a:r>
+            <a:endParaRPr lang="zh-TW" altLang="en-US" sz="1600" baseline="-25000" dirty="0">
+              <a:latin typeface="SauceCodePro Nerd Font" panose="020B0509030403020204" pitchFamily="49" charset="0"/>
+            </a:endParaRPr>
+          </a:p>
+        </p:txBody>
+      </p:sp>
+      <p:sp>
+        <p:nvSpPr>
+          <p:cNvPr id="128" name="綵帶 (向上) 127"/>
+          <p:cNvSpPr/>
+          <p:nvPr/>
+        </p:nvSpPr>
+        <p:spPr>
+          <a:xfrm>
+            <a:off x="14515438" y="5314781"/>
+            <a:ext cx="1538200" cy="487680"/>
+          </a:xfrm>
+          <a:prstGeom prst="ribbon2">
+            <a:avLst>
+              <a:gd name="adj1" fmla="val 21355"/>
+              <a:gd name="adj2" fmla="val 72451"/>
+            </a:avLst>
+          </a:prstGeom>
+          <a:solidFill>
+            <a:srgbClr val="191919"/>
+          </a:solidFill>
+          <a:ln w="19050">
+            <a:solidFill>
+              <a:srgbClr val="92D050"/>
+            </a:solidFill>
+          </a:ln>
+        </p:spPr>
+        <p:style>
+          <a:lnRef idx="2">
+            <a:schemeClr val="accent1">
+              <a:shade val="50000"/>
+            </a:schemeClr>
+          </a:lnRef>
+          <a:fillRef idx="1">
+            <a:schemeClr val="accent1"/>
+          </a:fillRef>
+          <a:effectRef idx="0">
+            <a:schemeClr val="accent1"/>
+          </a:effectRef>
+          <a:fontRef idx="minor">
+            <a:schemeClr val="lt1"/>
+          </a:fontRef>
+        </p:style>
+        <p:txBody>
+          <a:bodyPr rtlCol="0" anchor="ctr"/>
+          <a:lstStyle/>
+          <a:p>
+            <a:pPr algn="ctr"/>
+            <a:r>
+              <a:rPr lang="en-US" altLang="zh-TW" sz="1600" baseline="-25000" dirty="0" smtClean="0">
+                <a:latin typeface="SauceCodePro Nerd Font" panose="020B0509030403020204" pitchFamily="49" charset="0"/>
+                <a:ea typeface="SauceCodePro Nerd Font" panose="020B0509030403020204" pitchFamily="49" charset="0"/>
+              </a:rPr>
+              <a:t>0</a:t>
+            </a:r>
+            <a:r>
+              <a:rPr lang="en-US" altLang="zh-TW" sz="1600" dirty="0" smtClean="0">
+                <a:latin typeface="SauceCodePro Nerd Font" panose="020B0509030403020204" pitchFamily="49" charset="0"/>
+                <a:ea typeface="SauceCodePro Nerd Font" panose="020B0509030403020204" pitchFamily="49" charset="0"/>
+              </a:rPr>
+              <a:t>Q’</a:t>
+            </a:r>
+            <a:r>
+              <a:rPr lang="en-US" altLang="zh-TW" sz="1600" baseline="-25000" dirty="0" smtClean="0">
+                <a:latin typeface="SauceCodePro Nerd Font" panose="020B0509030403020204" pitchFamily="49" charset="0"/>
+                <a:ea typeface="SauceCodePro Nerd Font" panose="020B0509030403020204" pitchFamily="49" charset="0"/>
+              </a:rPr>
+              <a:t>input</a:t>
+            </a:r>
+            <a:endParaRPr lang="zh-TW" altLang="en-US" sz="1600" baseline="-25000" dirty="0">
+              <a:latin typeface="SauceCodePro Nerd Font" panose="020B0509030403020204" pitchFamily="49" charset="0"/>
+            </a:endParaRPr>
+          </a:p>
+        </p:txBody>
+      </p:sp>
+      <p:cxnSp>
+        <p:nvCxnSpPr>
+          <p:cNvPr id="22" name="直線單箭頭接點 45"/>
+          <p:cNvCxnSpPr>
+            <a:stCxn id="103" idx="3"/>
+            <a:endCxn id="128" idx="1"/>
+          </p:cNvCxnSpPr>
+          <p:nvPr/>
+        </p:nvCxnSpPr>
+        <p:spPr>
+          <a:xfrm flipV="1">
+            <a:off x="9264875" y="5610693"/>
+            <a:ext cx="5442838" cy="20474"/>
+          </a:xfrm>
+          <a:prstGeom prst="straightConnector1">
+            <a:avLst/>
+          </a:prstGeom>
+          <a:ln w="38100">
+            <a:solidFill>
+              <a:schemeClr val="bg1"/>
+            </a:solidFill>
+            <a:prstDash val="sysDash"/>
+            <a:tailEnd type="triangle"/>
+          </a:ln>
+        </p:spPr>
+        <p:style>
+          <a:lnRef idx="1">
+            <a:schemeClr val="accent1"/>
+          </a:lnRef>
+          <a:fillRef idx="0">
+            <a:schemeClr val="accent1"/>
+          </a:fillRef>
+          <a:effectRef idx="0">
+            <a:schemeClr val="accent1"/>
+          </a:effectRef>
+          <a:fontRef idx="minor">
+            <a:schemeClr val="tx1"/>
+          </a:fontRef>
+        </p:style>
+      </p:cxnSp>
+    </p:spTree>
+    <p:extLst>
+      <p:ext uri="{BB962C8B-B14F-4D97-AF65-F5344CB8AC3E}">
+        <p14:creationId xmlns:p14="http://schemas.microsoft.com/office/powerpoint/2010/main" val="3674650930"/>
+      </p:ext>
+    </p:extLst>
+  </p:cSld>
+  <p:clrMapOvr>
+    <a:masterClrMapping/>
+  </p:clrMapOvr>
+  <p:timing>
+    <p:tnLst>
+      <p:par>
+        <p:cTn id="1" dur="indefinite" restart="never" nodeType="tmRoot"/>
+      </p:par>
+    </p:tnLst>
+  </p:timing>
+</p:sld>
+</file>
+
+<file path=ppt/slides/slide3.xml><?xml version="1.0" encoding="utf-8"?>
+<p:sld xmlns:a="http://schemas.openxmlformats.org/drawingml/2006/main" xmlns:r="http://schemas.openxmlformats.org/officeDocument/2006/relationships" xmlns:p="http://schemas.openxmlformats.org/presentationml/2006/main">
+  <p:cSld>
+    <p:bg>
+      <p:bgPr>
+        <a:solidFill>
+          <a:srgbClr val="191919"/>
+        </a:solidFill>
+        <a:effectLst/>
+      </p:bgPr>
+    </p:bg>
+    <p:spTree>
+      <p:nvGrpSpPr>
+        <p:cNvPr id="1" name=""/>
+        <p:cNvGrpSpPr/>
+        <p:nvPr/>
+      </p:nvGrpSpPr>
+      <p:grpSpPr>
+        <a:xfrm>
+          <a:off x="0" y="0"/>
+          <a:ext cx="0" cy="0"/>
+          <a:chOff x="0" y="0"/>
+          <a:chExt cx="0" cy="0"/>
+        </a:xfrm>
+      </p:grpSpPr>
+      <p:sp>
+        <p:nvSpPr>
+          <p:cNvPr id="89" name="橢圓 88"/>
+          <p:cNvSpPr/>
+          <p:nvPr/>
+        </p:nvSpPr>
+        <p:spPr>
+          <a:xfrm>
+            <a:off x="12022317" y="3045795"/>
+            <a:ext cx="4664598" cy="4317357"/>
+          </a:xfrm>
+          <a:prstGeom prst="ellipse">
+            <a:avLst/>
+          </a:prstGeom>
+          <a:solidFill>
+            <a:srgbClr val="191919"/>
+          </a:solidFill>
+          <a:ln w="19050">
+            <a:solidFill>
+              <a:srgbClr val="92D050"/>
+            </a:solidFill>
+          </a:ln>
+        </p:spPr>
+        <p:style>
+          <a:lnRef idx="2">
+            <a:schemeClr val="accent1">
+              <a:shade val="50000"/>
+            </a:schemeClr>
+          </a:lnRef>
+          <a:fillRef idx="1">
+            <a:schemeClr val="accent1"/>
+          </a:fillRef>
+          <a:effectRef idx="0">
+            <a:schemeClr val="accent1"/>
+          </a:effectRef>
+          <a:fontRef idx="minor">
+            <a:schemeClr val="lt1"/>
+          </a:fontRef>
+        </p:style>
+        <p:txBody>
+          <a:bodyPr rtlCol="0" anchor="ctr"/>
+          <a:lstStyle/>
+          <a:p>
+            <a:pPr algn="ctr"/>
+            <a:endParaRPr lang="zh-TW" altLang="en-US"/>
+          </a:p>
+        </p:txBody>
+      </p:sp>
+      <p:sp>
+        <p:nvSpPr>
+          <p:cNvPr id="44" name="圓角矩形 43"/>
+          <p:cNvSpPr/>
+          <p:nvPr/>
+        </p:nvSpPr>
+        <p:spPr>
+          <a:xfrm>
+            <a:off x="13449472" y="3314652"/>
+            <a:ext cx="1975397" cy="566928"/>
+          </a:xfrm>
+          <a:prstGeom prst="roundRect">
+            <a:avLst/>
+          </a:prstGeom>
+          <a:noFill/>
+          <a:ln w="19050">
+            <a:noFill/>
+          </a:ln>
+        </p:spPr>
+        <p:style>
+          <a:lnRef idx="2">
+            <a:schemeClr val="accent1">
+              <a:shade val="50000"/>
+            </a:schemeClr>
+          </a:lnRef>
+          <a:fillRef idx="1">
+            <a:schemeClr val="accent1"/>
+          </a:fillRef>
+          <a:effectRef idx="0">
+            <a:schemeClr val="accent1"/>
+          </a:effectRef>
+          <a:fontRef idx="minor">
+            <a:schemeClr val="lt1"/>
+          </a:fontRef>
+        </p:style>
+        <p:txBody>
+          <a:bodyPr rtlCol="0" anchor="ctr"/>
+          <a:lstStyle/>
+          <a:p>
+            <a:pPr algn="ctr"/>
+            <a:r>
+              <a:rPr lang="en-US" altLang="zh-TW" sz="2400" dirty="0" smtClean="0">
+                <a:latin typeface="SauceCodePro Nerd Font" panose="020B0509030403020204" pitchFamily="49" charset="0"/>
+                <a:ea typeface="SauceCodePro Nerd Font" panose="020B0509030403020204" pitchFamily="49" charset="0"/>
+              </a:rPr>
+              <a:t>K=</a:t>
+            </a:r>
+            <a:r>
+              <a:rPr lang="en-US" altLang="zh-TW" sz="2400" dirty="0" err="1" smtClean="0">
+                <a:latin typeface="SauceCodePro Nerd Font" panose="020B0509030403020204" pitchFamily="49" charset="0"/>
+                <a:ea typeface="SauceCodePro Nerd Font" panose="020B0509030403020204" pitchFamily="49" charset="0"/>
+              </a:rPr>
+              <a:t>V</a:t>
+            </a:r>
+            <a:r>
+              <a:rPr lang="en-US" altLang="zh-TW" sz="2400" baseline="-25000" dirty="0" err="1" smtClean="0">
+                <a:latin typeface="SauceCodePro Nerd Font" panose="020B0509030403020204" pitchFamily="49" charset="0"/>
+                <a:ea typeface="SauceCodePro Nerd Font" panose="020B0509030403020204" pitchFamily="49" charset="0"/>
+              </a:rPr>
+              <a:t>input</a:t>
+            </a:r>
+            <a:endParaRPr lang="en-US" altLang="zh-TW" sz="2400" baseline="-25000" dirty="0" smtClean="0">
+              <a:latin typeface="SauceCodePro Nerd Font" panose="020B0509030403020204" pitchFamily="49" charset="0"/>
+              <a:ea typeface="SauceCodePro Nerd Font" panose="020B0509030403020204" pitchFamily="49" charset="0"/>
+            </a:endParaRPr>
+          </a:p>
+        </p:txBody>
+      </p:sp>
+      <p:sp>
+        <p:nvSpPr>
+          <p:cNvPr id="17" name="橢圓 16"/>
+          <p:cNvSpPr/>
+          <p:nvPr/>
+        </p:nvSpPr>
+        <p:spPr>
+          <a:xfrm>
+            <a:off x="5894730" y="3279886"/>
+            <a:ext cx="4355102" cy="4083266"/>
+          </a:xfrm>
+          <a:prstGeom prst="ellipse">
+            <a:avLst/>
+          </a:prstGeom>
+          <a:solidFill>
+            <a:srgbClr val="191919"/>
+          </a:solidFill>
+          <a:ln w="19050">
+            <a:solidFill>
+              <a:srgbClr val="FF0066"/>
+            </a:solidFill>
+          </a:ln>
+        </p:spPr>
+        <p:style>
+          <a:lnRef idx="2">
+            <a:schemeClr val="accent1">
+              <a:shade val="50000"/>
+            </a:schemeClr>
+          </a:lnRef>
+          <a:fillRef idx="1">
+            <a:schemeClr val="accent1"/>
+          </a:fillRef>
+          <a:effectRef idx="0">
+            <a:schemeClr val="accent1"/>
+          </a:effectRef>
+          <a:fontRef idx="minor">
+            <a:schemeClr val="lt1"/>
+          </a:fontRef>
+        </p:style>
+        <p:txBody>
+          <a:bodyPr rtlCol="0" anchor="ctr"/>
+          <a:lstStyle/>
+          <a:p>
+            <a:pPr algn="ctr"/>
+            <a:endParaRPr lang="zh-TW" altLang="en-US"/>
+          </a:p>
+        </p:txBody>
+      </p:sp>
+      <p:sp>
+        <p:nvSpPr>
+          <p:cNvPr id="29" name="圓角矩形 28"/>
+          <p:cNvSpPr/>
+          <p:nvPr/>
+        </p:nvSpPr>
+        <p:spPr>
+          <a:xfrm>
+            <a:off x="7496591" y="3463113"/>
+            <a:ext cx="1284517" cy="566928"/>
+          </a:xfrm>
+          <a:prstGeom prst="roundRect">
+            <a:avLst/>
+          </a:prstGeom>
+          <a:noFill/>
+          <a:ln w="19050">
+            <a:noFill/>
+          </a:ln>
+        </p:spPr>
+        <p:style>
+          <a:lnRef idx="2">
+            <a:schemeClr val="accent1">
+              <a:shade val="50000"/>
+            </a:schemeClr>
+          </a:lnRef>
+          <a:fillRef idx="1">
+            <a:schemeClr val="accent1"/>
+          </a:fillRef>
+          <a:effectRef idx="0">
+            <a:schemeClr val="accent1"/>
+          </a:effectRef>
+          <a:fontRef idx="minor">
+            <a:schemeClr val="lt1"/>
+          </a:fontRef>
+        </p:style>
+        <p:txBody>
+          <a:bodyPr rtlCol="0" anchor="ctr"/>
+          <a:lstStyle/>
+          <a:p>
+            <a:pPr algn="ctr"/>
+            <a:r>
+              <a:rPr lang="en-US" altLang="zh-TW" sz="2400" dirty="0" err="1" smtClean="0">
+                <a:latin typeface="SauceCodePro Nerd Font" panose="020B0509030403020204" pitchFamily="49" charset="0"/>
+                <a:ea typeface="SauceCodePro Nerd Font" panose="020B0509030403020204" pitchFamily="49" charset="0"/>
+              </a:rPr>
+              <a:t>Q</a:t>
+            </a:r>
+            <a:r>
+              <a:rPr lang="en-US" altLang="zh-TW" sz="2400" baseline="-25000" dirty="0" err="1" smtClean="0">
+                <a:latin typeface="SauceCodePro Nerd Font" panose="020B0509030403020204" pitchFamily="49" charset="0"/>
+                <a:ea typeface="SauceCodePro Nerd Font" panose="020B0509030403020204" pitchFamily="49" charset="0"/>
+              </a:rPr>
+              <a:t>input</a:t>
+            </a:r>
+            <a:endParaRPr lang="zh-TW" altLang="en-US" sz="2400" baseline="-25000" dirty="0">
+              <a:latin typeface="SauceCodePro Nerd Font" panose="020B0509030403020204" pitchFamily="49" charset="0"/>
+            </a:endParaRPr>
+          </a:p>
+        </p:txBody>
+      </p:sp>
       <p:cxnSp>
         <p:nvCxnSpPr>
           <p:cNvPr id="49" name="直線單箭頭接點 45"/>
@@ -4161,7 +5899,7 @@
     </p:spTree>
     <p:extLst>
       <p:ext uri="{BB962C8B-B14F-4D97-AF65-F5344CB8AC3E}">
-        <p14:creationId xmlns:p14="http://schemas.microsoft.com/office/powerpoint/2010/main" val="2292798672"/>
+        <p14:creationId xmlns:p14="http://schemas.microsoft.com/office/powerpoint/2010/main" val="2406370199"/>
       </p:ext>
     </p:extLst>
   </p:cSld>
@@ -4178,7 +5916,7 @@
 </p:sld>
 </file>
 
-<file path=ppt/slides/slide2.xml><?xml version="1.0" encoding="utf-8"?>
+<file path=ppt/slides/slide4.xml><?xml version="1.0" encoding="utf-8"?>
 <p:sld xmlns:a="http://schemas.openxmlformats.org/drawingml/2006/main" xmlns:r="http://schemas.openxmlformats.org/officeDocument/2006/relationships" xmlns:p="http://schemas.openxmlformats.org/presentationml/2006/main">
   <p:cSld>
     <p:bg>
@@ -8695,7 +10433,7 @@
 </p:sld>
 </file>
 
-<file path=ppt/slides/slide3.xml><?xml version="1.0" encoding="utf-8"?>
+<file path=ppt/slides/slide5.xml><?xml version="1.0" encoding="utf-8"?>
 <p:sld xmlns:a="http://schemas.openxmlformats.org/drawingml/2006/main" xmlns:r="http://schemas.openxmlformats.org/officeDocument/2006/relationships" xmlns:p="http://schemas.openxmlformats.org/presentationml/2006/main">
   <p:cSld>
     <p:bg>
@@ -8877,25 +10615,11 @@
           <a:p>
             <a:pPr algn="ctr"/>
             <a:r>
-              <a:rPr lang="en-US" altLang="zh-TW" sz="2400" dirty="0" err="1" smtClean="0">
+              <a:rPr lang="en-US" altLang="zh-TW" sz="2400" dirty="0" smtClean="0">
                 <a:latin typeface="SauceCodePro Nerd Font" panose="020B0509030403020204" pitchFamily="49" charset="0"/>
                 <a:ea typeface="SauceCodePro Nerd Font" panose="020B0509030403020204" pitchFamily="49" charset="0"/>
               </a:rPr>
-              <a:t>K</a:t>
-            </a:r>
-            <a:r>
-              <a:rPr lang="en-US" altLang="zh-TW" sz="2400" baseline="-25000" dirty="0" err="1" smtClean="0">
-                <a:latin typeface="SauceCodePro Nerd Font" panose="020B0509030403020204" pitchFamily="49" charset="0"/>
-                <a:ea typeface="SauceCodePro Nerd Font" panose="020B0509030403020204" pitchFamily="49" charset="0"/>
-              </a:rPr>
-              <a:t>input</a:t>
-            </a:r>
-            <a:r>
-              <a:rPr lang="en-US" altLang="zh-TW" sz="2400" baseline="-25000" dirty="0" smtClean="0">
-                <a:latin typeface="SauceCodePro Nerd Font" panose="020B0509030403020204" pitchFamily="49" charset="0"/>
-                <a:ea typeface="SauceCodePro Nerd Font" panose="020B0509030403020204" pitchFamily="49" charset="0"/>
-              </a:rPr>
-              <a:t> </a:t>
+              <a:t>K=</a:t>
             </a:r>
             <a:r>
               <a:rPr lang="en-US" altLang="zh-TW" sz="2400" dirty="0" err="1" smtClean="0">
@@ -10605,7 +12329,7 @@
 </p:sld>
 </file>
 
-<file path=ppt/slides/slide4.xml><?xml version="1.0" encoding="utf-8"?>
+<file path=ppt/slides/slide6.xml><?xml version="1.0" encoding="utf-8"?>
 <p:sld xmlns:a="http://schemas.openxmlformats.org/drawingml/2006/main" xmlns:r="http://schemas.openxmlformats.org/officeDocument/2006/relationships" xmlns:p="http://schemas.openxmlformats.org/presentationml/2006/main">
   <p:cSld>
     <p:bg>
@@ -10787,25 +12511,11 @@
           <a:p>
             <a:pPr algn="ctr"/>
             <a:r>
-              <a:rPr lang="en-US" altLang="zh-TW" sz="2400" dirty="0" err="1" smtClean="0">
+              <a:rPr lang="en-US" altLang="zh-TW" sz="2400" dirty="0" smtClean="0">
                 <a:latin typeface="SauceCodePro Nerd Font" panose="020B0509030403020204" pitchFamily="49" charset="0"/>
                 <a:ea typeface="SauceCodePro Nerd Font" panose="020B0509030403020204" pitchFamily="49" charset="0"/>
               </a:rPr>
-              <a:t>K</a:t>
-            </a:r>
-            <a:r>
-              <a:rPr lang="en-US" altLang="zh-TW" sz="2400" baseline="-25000" dirty="0" err="1" smtClean="0">
-                <a:latin typeface="SauceCodePro Nerd Font" panose="020B0509030403020204" pitchFamily="49" charset="0"/>
-                <a:ea typeface="SauceCodePro Nerd Font" panose="020B0509030403020204" pitchFamily="49" charset="0"/>
-              </a:rPr>
-              <a:t>input</a:t>
-            </a:r>
-            <a:r>
-              <a:rPr lang="en-US" altLang="zh-TW" sz="2400" baseline="-25000" dirty="0" smtClean="0">
-                <a:latin typeface="SauceCodePro Nerd Font" panose="020B0509030403020204" pitchFamily="49" charset="0"/>
-                <a:ea typeface="SauceCodePro Nerd Font" panose="020B0509030403020204" pitchFamily="49" charset="0"/>
-              </a:rPr>
-              <a:t> </a:t>
+              <a:t>K=</a:t>
             </a:r>
             <a:r>
               <a:rPr lang="en-US" altLang="zh-TW" sz="2400" dirty="0" err="1" smtClean="0">
@@ -12681,7 +14391,7 @@
 </p:sld>
 </file>
 
-<file path=ppt/slides/slide5.xml><?xml version="1.0" encoding="utf-8"?>
+<file path=ppt/slides/slide7.xml><?xml version="1.0" encoding="utf-8"?>
 <p:sld xmlns:a="http://schemas.openxmlformats.org/drawingml/2006/main" xmlns:r="http://schemas.openxmlformats.org/officeDocument/2006/relationships" xmlns:p="http://schemas.openxmlformats.org/presentationml/2006/main">
   <p:cSld>
     <p:bg>
@@ -12863,25 +14573,11 @@
           <a:p>
             <a:pPr algn="ctr"/>
             <a:r>
-              <a:rPr lang="en-US" altLang="zh-TW" sz="2400" dirty="0" err="1" smtClean="0">
+              <a:rPr lang="en-US" altLang="zh-TW" sz="2400" dirty="0" smtClean="0">
                 <a:latin typeface="SauceCodePro Nerd Font" panose="020B0509030403020204" pitchFamily="49" charset="0"/>
                 <a:ea typeface="SauceCodePro Nerd Font" panose="020B0509030403020204" pitchFamily="49" charset="0"/>
               </a:rPr>
-              <a:t>K</a:t>
-            </a:r>
-            <a:r>
-              <a:rPr lang="en-US" altLang="zh-TW" sz="2400" baseline="-25000" dirty="0" err="1" smtClean="0">
-                <a:latin typeface="SauceCodePro Nerd Font" panose="020B0509030403020204" pitchFamily="49" charset="0"/>
-                <a:ea typeface="SauceCodePro Nerd Font" panose="020B0509030403020204" pitchFamily="49" charset="0"/>
-              </a:rPr>
-              <a:t>input</a:t>
-            </a:r>
-            <a:r>
-              <a:rPr lang="en-US" altLang="zh-TW" sz="2400" baseline="-25000" dirty="0" smtClean="0">
-                <a:latin typeface="SauceCodePro Nerd Font" panose="020B0509030403020204" pitchFamily="49" charset="0"/>
-                <a:ea typeface="SauceCodePro Nerd Font" panose="020B0509030403020204" pitchFamily="49" charset="0"/>
-              </a:rPr>
-              <a:t> </a:t>
+              <a:t>K=</a:t>
             </a:r>
             <a:r>
               <a:rPr lang="en-US" altLang="zh-TW" sz="2400" dirty="0" err="1" smtClean="0">
@@ -14994,7 +16690,7 @@
 </p:sld>
 </file>
 
-<file path=ppt/slides/slide6.xml><?xml version="1.0" encoding="utf-8"?>
+<file path=ppt/slides/slide8.xml><?xml version="1.0" encoding="utf-8"?>
 <p:sld xmlns:a="http://schemas.openxmlformats.org/drawingml/2006/main" xmlns:r="http://schemas.openxmlformats.org/officeDocument/2006/relationships" xmlns:p="http://schemas.openxmlformats.org/presentationml/2006/main">
   <p:cSld>
     <p:bg>
